--- a/Memoria/graphs/workflow.pptx
+++ b/Memoria/graphs/workflow.pptx
@@ -243,7 +243,7 @@
           <a:p>
             <a:fld id="{002D3002-304B-4A78-ACCF-BF559E27054C}" type="datetimeFigureOut">
               <a:rPr lang="en-US" smtClean="0"/>
-              <a:t>1/11/2018</a:t>
+              <a:t>1/14/2018</a:t>
             </a:fld>
             <a:endParaRPr lang="en-US"/>
           </a:p>
@@ -285,7 +285,7 @@
           <a:p>
             <a:fld id="{00F54D5B-1060-4FE5-B744-A39913B2A4EF}" type="slidenum">
               <a:rPr lang="en-US" smtClean="0"/>
-              <a:t>‹#›</a:t>
+              <a:t>‹Nº›</a:t>
             </a:fld>
             <a:endParaRPr lang="en-US"/>
           </a:p>
@@ -413,7 +413,7 @@
           <a:p>
             <a:fld id="{002D3002-304B-4A78-ACCF-BF559E27054C}" type="datetimeFigureOut">
               <a:rPr lang="en-US" smtClean="0"/>
-              <a:t>1/11/2018</a:t>
+              <a:t>1/14/2018</a:t>
             </a:fld>
             <a:endParaRPr lang="en-US"/>
           </a:p>
@@ -455,7 +455,7 @@
           <a:p>
             <a:fld id="{00F54D5B-1060-4FE5-B744-A39913B2A4EF}" type="slidenum">
               <a:rPr lang="en-US" smtClean="0"/>
-              <a:t>‹#›</a:t>
+              <a:t>‹Nº›</a:t>
             </a:fld>
             <a:endParaRPr lang="en-US"/>
           </a:p>
@@ -593,7 +593,7 @@
           <a:p>
             <a:fld id="{002D3002-304B-4A78-ACCF-BF559E27054C}" type="datetimeFigureOut">
               <a:rPr lang="en-US" smtClean="0"/>
-              <a:t>1/11/2018</a:t>
+              <a:t>1/14/2018</a:t>
             </a:fld>
             <a:endParaRPr lang="en-US"/>
           </a:p>
@@ -635,7 +635,7 @@
           <a:p>
             <a:fld id="{00F54D5B-1060-4FE5-B744-A39913B2A4EF}" type="slidenum">
               <a:rPr lang="en-US" smtClean="0"/>
-              <a:t>‹#›</a:t>
+              <a:t>‹Nº›</a:t>
             </a:fld>
             <a:endParaRPr lang="en-US"/>
           </a:p>
@@ -763,7 +763,7 @@
           <a:p>
             <a:fld id="{002D3002-304B-4A78-ACCF-BF559E27054C}" type="datetimeFigureOut">
               <a:rPr lang="en-US" smtClean="0"/>
-              <a:t>1/11/2018</a:t>
+              <a:t>1/14/2018</a:t>
             </a:fld>
             <a:endParaRPr lang="en-US"/>
           </a:p>
@@ -805,7 +805,7 @@
           <a:p>
             <a:fld id="{00F54D5B-1060-4FE5-B744-A39913B2A4EF}" type="slidenum">
               <a:rPr lang="en-US" smtClean="0"/>
-              <a:t>‹#›</a:t>
+              <a:t>‹Nº›</a:t>
             </a:fld>
             <a:endParaRPr lang="en-US"/>
           </a:p>
@@ -1009,7 +1009,7 @@
           <a:p>
             <a:fld id="{002D3002-304B-4A78-ACCF-BF559E27054C}" type="datetimeFigureOut">
               <a:rPr lang="en-US" smtClean="0"/>
-              <a:t>1/11/2018</a:t>
+              <a:t>1/14/2018</a:t>
             </a:fld>
             <a:endParaRPr lang="en-US"/>
           </a:p>
@@ -1051,7 +1051,7 @@
           <a:p>
             <a:fld id="{00F54D5B-1060-4FE5-B744-A39913B2A4EF}" type="slidenum">
               <a:rPr lang="en-US" smtClean="0"/>
-              <a:t>‹#›</a:t>
+              <a:t>‹Nº›</a:t>
             </a:fld>
             <a:endParaRPr lang="en-US"/>
           </a:p>
@@ -1241,7 +1241,7 @@
           <a:p>
             <a:fld id="{002D3002-304B-4A78-ACCF-BF559E27054C}" type="datetimeFigureOut">
               <a:rPr lang="en-US" smtClean="0"/>
-              <a:t>1/11/2018</a:t>
+              <a:t>1/14/2018</a:t>
             </a:fld>
             <a:endParaRPr lang="en-US"/>
           </a:p>
@@ -1283,7 +1283,7 @@
           <a:p>
             <a:fld id="{00F54D5B-1060-4FE5-B744-A39913B2A4EF}" type="slidenum">
               <a:rPr lang="en-US" smtClean="0"/>
-              <a:t>‹#›</a:t>
+              <a:t>‹Nº›</a:t>
             </a:fld>
             <a:endParaRPr lang="en-US"/>
           </a:p>
@@ -1608,7 +1608,7 @@
           <a:p>
             <a:fld id="{002D3002-304B-4A78-ACCF-BF559E27054C}" type="datetimeFigureOut">
               <a:rPr lang="en-US" smtClean="0"/>
-              <a:t>1/11/2018</a:t>
+              <a:t>1/14/2018</a:t>
             </a:fld>
             <a:endParaRPr lang="en-US"/>
           </a:p>
@@ -1650,7 +1650,7 @@
           <a:p>
             <a:fld id="{00F54D5B-1060-4FE5-B744-A39913B2A4EF}" type="slidenum">
               <a:rPr lang="en-US" smtClean="0"/>
-              <a:t>‹#›</a:t>
+              <a:t>‹Nº›</a:t>
             </a:fld>
             <a:endParaRPr lang="en-US"/>
           </a:p>
@@ -1726,7 +1726,7 @@
           <a:p>
             <a:fld id="{002D3002-304B-4A78-ACCF-BF559E27054C}" type="datetimeFigureOut">
               <a:rPr lang="en-US" smtClean="0"/>
-              <a:t>1/11/2018</a:t>
+              <a:t>1/14/2018</a:t>
             </a:fld>
             <a:endParaRPr lang="en-US"/>
           </a:p>
@@ -1768,7 +1768,7 @@
           <a:p>
             <a:fld id="{00F54D5B-1060-4FE5-B744-A39913B2A4EF}" type="slidenum">
               <a:rPr lang="en-US" smtClean="0"/>
-              <a:t>‹#›</a:t>
+              <a:t>‹Nº›</a:t>
             </a:fld>
             <a:endParaRPr lang="en-US"/>
           </a:p>
@@ -1821,7 +1821,7 @@
           <a:p>
             <a:fld id="{002D3002-304B-4A78-ACCF-BF559E27054C}" type="datetimeFigureOut">
               <a:rPr lang="en-US" smtClean="0"/>
-              <a:t>1/11/2018</a:t>
+              <a:t>1/14/2018</a:t>
             </a:fld>
             <a:endParaRPr lang="en-US"/>
           </a:p>
@@ -1863,7 +1863,7 @@
           <a:p>
             <a:fld id="{00F54D5B-1060-4FE5-B744-A39913B2A4EF}" type="slidenum">
               <a:rPr lang="en-US" smtClean="0"/>
-              <a:t>‹#›</a:t>
+              <a:t>‹Nº›</a:t>
             </a:fld>
             <a:endParaRPr lang="en-US"/>
           </a:p>
@@ -2098,7 +2098,7 @@
           <a:p>
             <a:fld id="{002D3002-304B-4A78-ACCF-BF559E27054C}" type="datetimeFigureOut">
               <a:rPr lang="en-US" smtClean="0"/>
-              <a:t>1/11/2018</a:t>
+              <a:t>1/14/2018</a:t>
             </a:fld>
             <a:endParaRPr lang="en-US"/>
           </a:p>
@@ -2140,7 +2140,7 @@
           <a:p>
             <a:fld id="{00F54D5B-1060-4FE5-B744-A39913B2A4EF}" type="slidenum">
               <a:rPr lang="en-US" smtClean="0"/>
-              <a:t>‹#›</a:t>
+              <a:t>‹Nº›</a:t>
             </a:fld>
             <a:endParaRPr lang="en-US"/>
           </a:p>
@@ -2351,7 +2351,7 @@
           <a:p>
             <a:fld id="{002D3002-304B-4A78-ACCF-BF559E27054C}" type="datetimeFigureOut">
               <a:rPr lang="en-US" smtClean="0"/>
-              <a:t>1/11/2018</a:t>
+              <a:t>1/14/2018</a:t>
             </a:fld>
             <a:endParaRPr lang="en-US"/>
           </a:p>
@@ -2393,7 +2393,7 @@
           <a:p>
             <a:fld id="{00F54D5B-1060-4FE5-B744-A39913B2A4EF}" type="slidenum">
               <a:rPr lang="en-US" smtClean="0"/>
-              <a:t>‹#›</a:t>
+              <a:t>‹Nº›</a:t>
             </a:fld>
             <a:endParaRPr lang="en-US"/>
           </a:p>
@@ -2564,7 +2564,7 @@
           <a:p>
             <a:fld id="{002D3002-304B-4A78-ACCF-BF559E27054C}" type="datetimeFigureOut">
               <a:rPr lang="en-US" smtClean="0"/>
-              <a:t>1/11/2018</a:t>
+              <a:t>1/14/2018</a:t>
             </a:fld>
             <a:endParaRPr lang="en-US"/>
           </a:p>
@@ -2642,7 +2642,7 @@
           <a:p>
             <a:fld id="{00F54D5B-1060-4FE5-B744-A39913B2A4EF}" type="slidenum">
               <a:rPr lang="en-US" smtClean="0"/>
-              <a:t>‹#›</a:t>
+              <a:t>‹Nº›</a:t>
             </a:fld>
             <a:endParaRPr lang="en-US"/>
           </a:p>
@@ -4383,105 +4383,6 @@
           </a:p>
         </p:txBody>
       </p:sp>
-      <p:sp>
-        <p:nvSpPr>
-          <p:cNvPr id="41" name="TextBox 40"/>
-          <p:cNvSpPr txBox="1"/>
-          <p:nvPr/>
-        </p:nvSpPr>
-        <p:spPr>
-          <a:xfrm>
-            <a:off x="9657085" y="2758729"/>
-            <a:ext cx="1575657" cy="276999"/>
-          </a:xfrm>
-          <a:prstGeom prst="rect">
-            <a:avLst/>
-          </a:prstGeom>
-          <a:noFill/>
-        </p:spPr>
-        <p:txBody>
-          <a:bodyPr wrap="square" rtlCol="0">
-            <a:spAutoFit/>
-          </a:bodyPr>
-          <a:lstStyle>
-            <a:defPPr>
-              <a:defRPr lang="en-US"/>
-            </a:defPPr>
-            <a:lvl1pPr>
-              <a:defRPr sz="1200">
-                <a:solidFill>
-                  <a:schemeClr val="bg1"/>
-                </a:solidFill>
-                <a:latin typeface="Helvetica" panose="020B0604020202020204" pitchFamily="34" charset="0"/>
-                <a:cs typeface="Helvetica" panose="020B0604020202020204" pitchFamily="34" charset="0"/>
-              </a:defRPr>
-            </a:lvl1pPr>
-            <a:lvl2pPr>
-              <a:defRPr>
-                <a:solidFill>
-                  <a:schemeClr val="tx1"/>
-                </a:solidFill>
-              </a:defRPr>
-            </a:lvl2pPr>
-            <a:lvl3pPr>
-              <a:defRPr>
-                <a:solidFill>
-                  <a:schemeClr val="tx1"/>
-                </a:solidFill>
-              </a:defRPr>
-            </a:lvl3pPr>
-            <a:lvl4pPr>
-              <a:defRPr>
-                <a:solidFill>
-                  <a:schemeClr val="tx1"/>
-                </a:solidFill>
-              </a:defRPr>
-            </a:lvl4pPr>
-            <a:lvl5pPr>
-              <a:defRPr>
-                <a:solidFill>
-                  <a:schemeClr val="tx1"/>
-                </a:solidFill>
-              </a:defRPr>
-            </a:lvl5pPr>
-            <a:lvl6pPr>
-              <a:defRPr>
-                <a:solidFill>
-                  <a:schemeClr val="tx1"/>
-                </a:solidFill>
-              </a:defRPr>
-            </a:lvl6pPr>
-            <a:lvl7pPr>
-              <a:defRPr>
-                <a:solidFill>
-                  <a:schemeClr val="tx1"/>
-                </a:solidFill>
-              </a:defRPr>
-            </a:lvl7pPr>
-            <a:lvl8pPr>
-              <a:defRPr>
-                <a:solidFill>
-                  <a:schemeClr val="tx1"/>
-                </a:solidFill>
-              </a:defRPr>
-            </a:lvl8pPr>
-            <a:lvl9pPr>
-              <a:defRPr>
-                <a:solidFill>
-                  <a:schemeClr val="tx1"/>
-                </a:solidFill>
-              </a:defRPr>
-            </a:lvl9pPr>
-          </a:lstStyle>
-          <a:p>
-            <a:r>
-              <a:rPr lang="es-ES" dirty="0" err="1"/>
-              <a:t>Shiny</a:t>
-            </a:r>
-            <a:endParaRPr lang="es-ES" dirty="0"/>
-          </a:p>
-        </p:txBody>
-      </p:sp>
       <p:pic>
         <p:nvPicPr>
           <p:cNvPr id="42" name="Picture 41"/>
@@ -4530,6 +4431,30 @@
           <a:xfrm>
             <a:off x="398081" y="1126379"/>
             <a:ext cx="1891622" cy="4415043"/>
+          </a:xfrm>
+          <a:prstGeom prst="rect">
+            <a:avLst/>
+          </a:prstGeom>
+        </p:spPr>
+      </p:pic>
+      <p:pic>
+        <p:nvPicPr>
+          <p:cNvPr id="3" name="Imagen 2"/>
+          <p:cNvPicPr>
+            <a:picLocks noChangeAspect="1"/>
+          </p:cNvPicPr>
+          <p:nvPr/>
+        </p:nvPicPr>
+        <p:blipFill>
+          <a:blip r:embed="rId5"/>
+          <a:stretch>
+            <a:fillRect/>
+          </a:stretch>
+        </p:blipFill>
+        <p:spPr>
+          <a:xfrm>
+            <a:off x="9725543" y="2781383"/>
+            <a:ext cx="1438741" cy="924905"/>
           </a:xfrm>
           <a:prstGeom prst="rect">
             <a:avLst/>
